--- a/01 - GettingStarted/01 Hello World - set-up.pptx
+++ b/01 - GettingStarted/01 Hello World - set-up.pptx
@@ -271,7 +271,7 @@
           <a:p>
             <a:fld id="{E916F367-2305-4E6C-9F9E-DC2F4BC41EF5}" type="datetimeFigureOut">
               <a:rPr lang="en-GB" smtClean="0"/>
-              <a:t>02/10/2023</a:t>
+              <a:t>27/01/2024</a:t>
             </a:fld>
             <a:endParaRPr lang="en-GB"/>
           </a:p>
@@ -471,7 +471,7 @@
           <a:p>
             <a:fld id="{E916F367-2305-4E6C-9F9E-DC2F4BC41EF5}" type="datetimeFigureOut">
               <a:rPr lang="en-GB" smtClean="0"/>
-              <a:t>02/10/2023</a:t>
+              <a:t>27/01/2024</a:t>
             </a:fld>
             <a:endParaRPr lang="en-GB"/>
           </a:p>
@@ -681,7 +681,7 @@
           <a:p>
             <a:fld id="{E916F367-2305-4E6C-9F9E-DC2F4BC41EF5}" type="datetimeFigureOut">
               <a:rPr lang="en-GB" smtClean="0"/>
-              <a:t>02/10/2023</a:t>
+              <a:t>27/01/2024</a:t>
             </a:fld>
             <a:endParaRPr lang="en-GB"/>
           </a:p>
@@ -891,7 +891,7 @@
           <a:p>
             <a:fld id="{E916F367-2305-4E6C-9F9E-DC2F4BC41EF5}" type="datetimeFigureOut">
               <a:rPr lang="en-GB" smtClean="0"/>
-              <a:t>02/10/2023</a:t>
+              <a:t>27/01/2024</a:t>
             </a:fld>
             <a:endParaRPr lang="en-GB"/>
           </a:p>
@@ -1167,7 +1167,7 @@
           <a:p>
             <a:fld id="{E916F367-2305-4E6C-9F9E-DC2F4BC41EF5}" type="datetimeFigureOut">
               <a:rPr lang="en-GB" smtClean="0"/>
-              <a:t>02/10/2023</a:t>
+              <a:t>27/01/2024</a:t>
             </a:fld>
             <a:endParaRPr lang="en-GB"/>
           </a:p>
@@ -1435,7 +1435,7 @@
           <a:p>
             <a:fld id="{E916F367-2305-4E6C-9F9E-DC2F4BC41EF5}" type="datetimeFigureOut">
               <a:rPr lang="en-GB" smtClean="0"/>
-              <a:t>02/10/2023</a:t>
+              <a:t>27/01/2024</a:t>
             </a:fld>
             <a:endParaRPr lang="en-GB"/>
           </a:p>
@@ -1850,7 +1850,7 @@
           <a:p>
             <a:fld id="{E916F367-2305-4E6C-9F9E-DC2F4BC41EF5}" type="datetimeFigureOut">
               <a:rPr lang="en-GB" smtClean="0"/>
-              <a:t>02/10/2023</a:t>
+              <a:t>27/01/2024</a:t>
             </a:fld>
             <a:endParaRPr lang="en-GB"/>
           </a:p>
@@ -1992,7 +1992,7 @@
           <a:p>
             <a:fld id="{E916F367-2305-4E6C-9F9E-DC2F4BC41EF5}" type="datetimeFigureOut">
               <a:rPr lang="en-GB" smtClean="0"/>
-              <a:t>02/10/2023</a:t>
+              <a:t>27/01/2024</a:t>
             </a:fld>
             <a:endParaRPr lang="en-GB"/>
           </a:p>
@@ -2105,7 +2105,7 @@
           <a:p>
             <a:fld id="{E916F367-2305-4E6C-9F9E-DC2F4BC41EF5}" type="datetimeFigureOut">
               <a:rPr lang="en-GB" smtClean="0"/>
-              <a:t>02/10/2023</a:t>
+              <a:t>27/01/2024</a:t>
             </a:fld>
             <a:endParaRPr lang="en-GB"/>
           </a:p>
@@ -2418,7 +2418,7 @@
           <a:p>
             <a:fld id="{E916F367-2305-4E6C-9F9E-DC2F4BC41EF5}" type="datetimeFigureOut">
               <a:rPr lang="en-GB" smtClean="0"/>
-              <a:t>02/10/2023</a:t>
+              <a:t>27/01/2024</a:t>
             </a:fld>
             <a:endParaRPr lang="en-GB"/>
           </a:p>
@@ -2707,7 +2707,7 @@
           <a:p>
             <a:fld id="{E916F367-2305-4E6C-9F9E-DC2F4BC41EF5}" type="datetimeFigureOut">
               <a:rPr lang="en-GB" smtClean="0"/>
-              <a:t>02/10/2023</a:t>
+              <a:t>27/01/2024</a:t>
             </a:fld>
             <a:endParaRPr lang="en-GB"/>
           </a:p>
@@ -2950,7 +2950,7 @@
           <a:p>
             <a:fld id="{E916F367-2305-4E6C-9F9E-DC2F4BC41EF5}" type="datetimeFigureOut">
               <a:rPr lang="en-GB" smtClean="0"/>
-              <a:t>02/10/2023</a:t>
+              <a:t>27/01/2024</a:t>
             </a:fld>
             <a:endParaRPr lang="en-GB"/>
           </a:p>
@@ -3591,18 +3591,26 @@
         </p:nvSpPr>
         <p:spPr>
           <a:xfrm>
-            <a:off x="0" y="1501140"/>
-            <a:ext cx="12191999" cy="5253164"/>
+            <a:off x="273050" y="987956"/>
+            <a:ext cx="11918949" cy="5576130"/>
           </a:xfrm>
         </p:spPr>
         <p:txBody>
           <a:bodyPr>
-            <a:normAutofit fontScale="85000" lnSpcReduction="20000"/>
+            <a:noAutofit/>
           </a:bodyPr>
           <a:lstStyle/>
           <a:p>
-            <a:r>
-              <a:rPr lang="en-GB" dirty="0">
+            <a:pPr>
+              <a:lnSpc>
+                <a:spcPct val="100000"/>
+              </a:lnSpc>
+              <a:spcBef>
+                <a:spcPts val="600"/>
+              </a:spcBef>
+            </a:pPr>
+            <a:r>
+              <a:rPr lang="en-GB" sz="1900" dirty="0">
                 <a:solidFill>
                   <a:srgbClr val="4A4A4A"/>
                 </a:solidFill>
@@ -3611,19 +3619,23 @@
               </a:rPr>
               <a:t>Final process block generates random numbers for each sample:</a:t>
             </a:r>
-          </a:p>
-          <a:p>
-            <a:endParaRPr lang="en-GB" dirty="0">
+            <a:endParaRPr lang="en-GB" sz="1900" dirty="0">
               <a:effectLst/>
               <a:ea typeface="Times New Roman" panose="02020603050405020304" pitchFamily="18" charset="0"/>
             </a:endParaRPr>
           </a:p>
           <a:p>
             <a:pPr marL="0" indent="0">
+              <a:lnSpc>
+                <a:spcPct val="100000"/>
+              </a:lnSpc>
+              <a:spcBef>
+                <a:spcPts val="600"/>
+              </a:spcBef>
               <a:buNone/>
             </a:pPr>
             <a:r>
-              <a:rPr lang="en-GB" sz="2400" dirty="0">
+              <a:rPr lang="en-GB" sz="1900" dirty="0">
                 <a:solidFill>
                   <a:srgbClr val="0000FF"/>
                 </a:solidFill>
@@ -3632,7 +3644,7 @@
               <a:t>void</a:t>
             </a:r>
             <a:r>
-              <a:rPr lang="en-GB" sz="2400" dirty="0">
+              <a:rPr lang="en-GB" sz="1900" dirty="0">
                 <a:solidFill>
                   <a:srgbClr val="000000"/>
                 </a:solidFill>
@@ -3641,7 +3653,7 @@
               <a:t> </a:t>
             </a:r>
             <a:r>
-              <a:rPr lang="en-GB" sz="2400" dirty="0">
+              <a:rPr lang="en-GB" sz="1900" dirty="0">
                 <a:solidFill>
                   <a:srgbClr val="2B91AF"/>
                 </a:solidFill>
@@ -3650,7 +3662,7 @@
               <a:t>HelloWorldv1AudioProcessor</a:t>
             </a:r>
             <a:r>
-              <a:rPr lang="en-GB" sz="2400" dirty="0">
+              <a:rPr lang="en-GB" sz="1900" dirty="0">
                 <a:solidFill>
                   <a:srgbClr val="000000"/>
                 </a:solidFill>
@@ -3659,7 +3671,7 @@
               <a:t>::</a:t>
             </a:r>
             <a:r>
-              <a:rPr lang="en-GB" sz="2400" dirty="0" err="1">
+              <a:rPr lang="en-GB" sz="1900" dirty="0" err="1">
                 <a:solidFill>
                   <a:srgbClr val="000000"/>
                 </a:solidFill>
@@ -3668,7 +3680,7 @@
               <a:t>processBlock</a:t>
             </a:r>
             <a:r>
-              <a:rPr lang="en-GB" sz="2400" dirty="0">
+              <a:rPr lang="en-GB" sz="1900" dirty="0">
                 <a:solidFill>
                   <a:srgbClr val="000000"/>
                 </a:solidFill>
@@ -3677,7 +3689,7 @@
               <a:t> (</a:t>
             </a:r>
             <a:r>
-              <a:rPr lang="en-GB" sz="2400" dirty="0" err="1">
+              <a:rPr lang="en-GB" sz="1900" dirty="0" err="1">
                 <a:solidFill>
                   <a:srgbClr val="000000"/>
                 </a:solidFill>
@@ -3686,7 +3698,7 @@
               <a:t>juce</a:t>
             </a:r>
             <a:r>
-              <a:rPr lang="en-GB" sz="2400" dirty="0">
+              <a:rPr lang="en-GB" sz="1900" dirty="0">
                 <a:solidFill>
                   <a:srgbClr val="000000"/>
                 </a:solidFill>
@@ -3695,7 +3707,7 @@
               <a:t>::</a:t>
             </a:r>
             <a:r>
-              <a:rPr lang="en-GB" sz="2400" dirty="0" err="1">
+              <a:rPr lang="en-GB" sz="1900" dirty="0" err="1">
                 <a:solidFill>
                   <a:srgbClr val="2B91AF"/>
                 </a:solidFill>
@@ -3704,7 +3716,7 @@
               <a:t>AudioBuffer</a:t>
             </a:r>
             <a:r>
-              <a:rPr lang="en-GB" sz="2400" dirty="0">
+              <a:rPr lang="en-GB" sz="1900" dirty="0">
                 <a:solidFill>
                   <a:srgbClr val="000000"/>
                 </a:solidFill>
@@ -3713,7 +3725,7 @@
               <a:t>&lt;</a:t>
             </a:r>
             <a:r>
-              <a:rPr lang="en-GB" sz="2400" dirty="0">
+              <a:rPr lang="en-GB" sz="1900" dirty="0">
                 <a:solidFill>
                   <a:srgbClr val="0000FF"/>
                 </a:solidFill>
@@ -3722,7 +3734,7 @@
               <a:t>float</a:t>
             </a:r>
             <a:r>
-              <a:rPr lang="en-GB" sz="2400" dirty="0">
+              <a:rPr lang="en-GB" sz="1900" dirty="0">
                 <a:solidFill>
                   <a:srgbClr val="000000"/>
                 </a:solidFill>
@@ -3731,7 +3743,7 @@
               <a:t>&gt;&amp; </a:t>
             </a:r>
             <a:r>
-              <a:rPr lang="en-GB" sz="2400" dirty="0">
+              <a:rPr lang="en-GB" sz="1900" dirty="0">
                 <a:solidFill>
                   <a:srgbClr val="808080"/>
                 </a:solidFill>
@@ -3740,7 +3752,7 @@
               <a:t>buffer</a:t>
             </a:r>
             <a:r>
-              <a:rPr lang="en-GB" sz="2400" dirty="0">
+              <a:rPr lang="en-GB" sz="1900" dirty="0">
                 <a:solidFill>
                   <a:srgbClr val="000000"/>
                 </a:solidFill>
@@ -3751,10 +3763,16 @@
           </a:p>
           <a:p>
             <a:pPr marL="0" indent="0">
+              <a:lnSpc>
+                <a:spcPct val="100000"/>
+              </a:lnSpc>
+              <a:spcBef>
+                <a:spcPts val="600"/>
+              </a:spcBef>
               <a:buNone/>
             </a:pPr>
             <a:r>
-              <a:rPr lang="en-GB" sz="2400" dirty="0">
+              <a:rPr lang="en-GB" sz="1900" dirty="0">
                 <a:solidFill>
                   <a:srgbClr val="000000"/>
                 </a:solidFill>
@@ -3763,7 +3781,7 @@
               <a:t>                                               </a:t>
             </a:r>
             <a:r>
-              <a:rPr lang="en-GB" sz="2400" dirty="0" err="1">
+              <a:rPr lang="en-GB" sz="1900" dirty="0" err="1">
                 <a:solidFill>
                   <a:srgbClr val="000000"/>
                 </a:solidFill>
@@ -3772,7 +3790,7 @@
               <a:t>juce</a:t>
             </a:r>
             <a:r>
-              <a:rPr lang="en-GB" sz="2400" dirty="0">
+              <a:rPr lang="en-GB" sz="1900" dirty="0">
                 <a:solidFill>
                   <a:srgbClr val="000000"/>
                 </a:solidFill>
@@ -3781,7 +3799,7 @@
               <a:t>::</a:t>
             </a:r>
             <a:r>
-              <a:rPr lang="en-GB" sz="2400" dirty="0" err="1">
+              <a:rPr lang="en-GB" sz="1900" dirty="0" err="1">
                 <a:solidFill>
                   <a:srgbClr val="2B91AF"/>
                 </a:solidFill>
@@ -3790,7 +3808,7 @@
               <a:t>MidiBuffer</a:t>
             </a:r>
             <a:r>
-              <a:rPr lang="en-GB" sz="2400" dirty="0">
+              <a:rPr lang="en-GB" sz="1900" dirty="0">
                 <a:solidFill>
                   <a:srgbClr val="000000"/>
                 </a:solidFill>
@@ -3799,7 +3817,7 @@
               <a:t>&amp; </a:t>
             </a:r>
             <a:r>
-              <a:rPr lang="en-GB" sz="2400" dirty="0" err="1">
+              <a:rPr lang="en-GB" sz="1900" dirty="0" err="1">
                 <a:solidFill>
                   <a:srgbClr val="808080"/>
                 </a:solidFill>
@@ -3808,7 +3826,7 @@
               <a:t>midiMessages</a:t>
             </a:r>
             <a:r>
-              <a:rPr lang="en-GB" sz="2400" dirty="0">
+              <a:rPr lang="en-GB" sz="1900" dirty="0">
                 <a:solidFill>
                   <a:srgbClr val="000000"/>
                 </a:solidFill>
@@ -3819,10 +3837,16 @@
           </a:p>
           <a:p>
             <a:pPr marL="0" indent="0">
+              <a:lnSpc>
+                <a:spcPct val="100000"/>
+              </a:lnSpc>
+              <a:spcBef>
+                <a:spcPts val="600"/>
+              </a:spcBef>
               <a:buNone/>
             </a:pPr>
             <a:r>
-              <a:rPr lang="en-GB" sz="2400" dirty="0">
+              <a:rPr lang="en-GB" sz="1900" dirty="0">
                 <a:solidFill>
                   <a:srgbClr val="000000"/>
                 </a:solidFill>
@@ -3833,28 +3857,209 @@
           </a:p>
           <a:p>
             <a:pPr marL="0" indent="0">
+              <a:lnSpc>
+                <a:spcPct val="100000"/>
+              </a:lnSpc>
+              <a:spcBef>
+                <a:spcPts val="600"/>
+              </a:spcBef>
               <a:buNone/>
             </a:pPr>
             <a:r>
-              <a:rPr lang="en-GB" sz="2400" dirty="0">
+              <a:rPr lang="en-GB" sz="1900" dirty="0">
                 <a:solidFill>
                   <a:srgbClr val="000000"/>
                 </a:solidFill>
                 <a:latin typeface="Cascadia Mono" panose="020B0609020000020004" pitchFamily="49" charset="0"/>
               </a:rPr>
+              <a:t>  </a:t>
+            </a:r>
+            <a:r>
+              <a:rPr lang="en-GB" sz="1900" dirty="0">
+                <a:solidFill>
+                  <a:srgbClr val="0000FF"/>
+                </a:solidFill>
+                <a:latin typeface="Cascadia Mono" panose="020B0609020000020004" pitchFamily="49" charset="0"/>
+              </a:rPr>
+              <a:t>for</a:t>
+            </a:r>
+            <a:r>
+              <a:rPr lang="en-GB" sz="1900" dirty="0">
+                <a:solidFill>
+                  <a:srgbClr val="000000"/>
+                </a:solidFill>
+                <a:latin typeface="Cascadia Mono" panose="020B0609020000020004" pitchFamily="49" charset="0"/>
+              </a:rPr>
+              <a:t> (</a:t>
+            </a:r>
+            <a:r>
+              <a:rPr lang="en-GB" sz="1900" dirty="0">
+                <a:solidFill>
+                  <a:srgbClr val="0000FF"/>
+                </a:solidFill>
+                <a:latin typeface="Cascadia Mono" panose="020B0609020000020004" pitchFamily="49" charset="0"/>
+              </a:rPr>
+              <a:t>int</a:t>
+            </a:r>
+            <a:r>
+              <a:rPr lang="en-GB" sz="1900" dirty="0">
+                <a:solidFill>
+                  <a:srgbClr val="000000"/>
+                </a:solidFill>
+                <a:latin typeface="Cascadia Mono" panose="020B0609020000020004" pitchFamily="49" charset="0"/>
+              </a:rPr>
+              <a:t> channel = 0; channel &lt; </a:t>
+            </a:r>
+            <a:r>
+              <a:rPr lang="en-GB" sz="1900" dirty="0" err="1">
+                <a:solidFill>
+                  <a:srgbClr val="000000"/>
+                </a:solidFill>
+                <a:latin typeface="Cascadia Mono" panose="020B0609020000020004" pitchFamily="49" charset="0"/>
+              </a:rPr>
+              <a:t>getTotalNumOutputChannels</a:t>
+            </a:r>
+            <a:r>
+              <a:rPr lang="en-GB" sz="1900" dirty="0">
+                <a:solidFill>
+                  <a:srgbClr val="000000"/>
+                </a:solidFill>
+                <a:latin typeface="Cascadia Mono" panose="020B0609020000020004" pitchFamily="49" charset="0"/>
+              </a:rPr>
+              <a:t>(); ++channel) {</a:t>
+            </a:r>
+          </a:p>
+          <a:p>
+            <a:pPr marL="0" indent="0">
+              <a:lnSpc>
+                <a:spcPct val="100000"/>
+              </a:lnSpc>
+              <a:spcBef>
+                <a:spcPts val="600"/>
+              </a:spcBef>
+              <a:buNone/>
+            </a:pPr>
+            <a:r>
+              <a:rPr lang="it-IT" sz="1900" dirty="0">
+                <a:solidFill>
+                  <a:srgbClr val="000000"/>
+                </a:solidFill>
+                <a:latin typeface="Cascadia Mono" panose="020B0609020000020004" pitchFamily="49" charset="0"/>
+              </a:rPr>
               <a:t>    </a:t>
             </a:r>
             <a:r>
-              <a:rPr lang="en-GB" sz="2400" dirty="0">
+              <a:rPr lang="it-IT" sz="1900" dirty="0">
                 <a:solidFill>
                   <a:srgbClr val="0000FF"/>
                 </a:solidFill>
                 <a:latin typeface="Cascadia Mono" panose="020B0609020000020004" pitchFamily="49" charset="0"/>
               </a:rPr>
+              <a:t>auto</a:t>
+            </a:r>
+            <a:r>
+              <a:rPr lang="it-IT" sz="1900" dirty="0">
+                <a:solidFill>
+                  <a:srgbClr val="000000"/>
+                </a:solidFill>
+                <a:latin typeface="Cascadia Mono" panose="020B0609020000020004" pitchFamily="49" charset="0"/>
+              </a:rPr>
+              <a:t>* </a:t>
+            </a:r>
+            <a:r>
+              <a:rPr lang="it-IT" sz="1900" dirty="0" err="1">
+                <a:solidFill>
+                  <a:srgbClr val="000000"/>
+                </a:solidFill>
+                <a:latin typeface="Cascadia Mono" panose="020B0609020000020004" pitchFamily="49" charset="0"/>
+              </a:rPr>
+              <a:t>channelData</a:t>
+            </a:r>
+            <a:r>
+              <a:rPr lang="it-IT" sz="1900" dirty="0">
+                <a:solidFill>
+                  <a:srgbClr val="000000"/>
+                </a:solidFill>
+                <a:latin typeface="Cascadia Mono" panose="020B0609020000020004" pitchFamily="49" charset="0"/>
+              </a:rPr>
+              <a:t> = </a:t>
+            </a:r>
+            <a:r>
+              <a:rPr lang="it-IT" sz="1900" dirty="0" err="1">
+                <a:solidFill>
+                  <a:srgbClr val="808080"/>
+                </a:solidFill>
+                <a:latin typeface="Cascadia Mono" panose="020B0609020000020004" pitchFamily="49" charset="0"/>
+              </a:rPr>
+              <a:t>buffer</a:t>
+            </a:r>
+            <a:r>
+              <a:rPr lang="it-IT" sz="1900" dirty="0" err="1">
+                <a:solidFill>
+                  <a:srgbClr val="000000"/>
+                </a:solidFill>
+                <a:latin typeface="Cascadia Mono" panose="020B0609020000020004" pitchFamily="49" charset="0"/>
+              </a:rPr>
+              <a:t>.getWritePointer</a:t>
+            </a:r>
+            <a:r>
+              <a:rPr lang="it-IT" sz="1900" dirty="0">
+                <a:solidFill>
+                  <a:srgbClr val="000000"/>
+                </a:solidFill>
+                <a:latin typeface="Cascadia Mono" panose="020B0609020000020004" pitchFamily="49" charset="0"/>
+              </a:rPr>
+              <a:t>(</a:t>
+            </a:r>
+            <a:r>
+              <a:rPr lang="it-IT" sz="1900" dirty="0" err="1">
+                <a:solidFill>
+                  <a:srgbClr val="000000"/>
+                </a:solidFill>
+                <a:latin typeface="Cascadia Mono" panose="020B0609020000020004" pitchFamily="49" charset="0"/>
+              </a:rPr>
+              <a:t>channel</a:t>
+            </a:r>
+            <a:r>
+              <a:rPr lang="it-IT" sz="1900" dirty="0">
+                <a:solidFill>
+                  <a:srgbClr val="000000"/>
+                </a:solidFill>
+                <a:latin typeface="Cascadia Mono" panose="020B0609020000020004" pitchFamily="49" charset="0"/>
+              </a:rPr>
+              <a:t>);</a:t>
+            </a:r>
+          </a:p>
+          <a:p>
+            <a:pPr marL="0" indent="0">
+              <a:lnSpc>
+                <a:spcPct val="100000"/>
+              </a:lnSpc>
+              <a:spcBef>
+                <a:spcPts val="600"/>
+              </a:spcBef>
+              <a:buNone/>
+            </a:pPr>
+            <a:r>
+              <a:rPr lang="en-GB" sz="1900" dirty="0">
+                <a:solidFill>
+                  <a:srgbClr val="000000"/>
+                </a:solidFill>
+                <a:latin typeface="Cascadia Mono" panose="020B0609020000020004" pitchFamily="49" charset="0"/>
+              </a:rPr>
+              <a:t>    </a:t>
+            </a:r>
+            <a:r>
+              <a:rPr lang="en-GB" sz="1900" dirty="0">
+                <a:solidFill>
+                  <a:srgbClr val="0000FF"/>
+                </a:solidFill>
+                <a:latin typeface="Cascadia Mono" panose="020B0609020000020004" pitchFamily="49" charset="0"/>
+              </a:rPr>
               <a:t>for</a:t>
             </a:r>
             <a:r>
-              <a:rPr lang="en-GB" sz="2400" dirty="0">
+              <a:rPr lang="en-GB" sz="1900" dirty="0">
                 <a:solidFill>
                   <a:srgbClr val="000000"/>
                 </a:solidFill>
@@ -3863,7 +4068,7 @@
               <a:t> (</a:t>
             </a:r>
             <a:r>
-              <a:rPr lang="en-GB" sz="2400" dirty="0">
+              <a:rPr lang="en-GB" sz="1900" dirty="0">
                 <a:solidFill>
                   <a:srgbClr val="0000FF"/>
                 </a:solidFill>
@@ -3872,351 +4077,468 @@
               <a:t>int</a:t>
             </a:r>
             <a:r>
-              <a:rPr lang="en-GB" sz="2400" dirty="0">
+              <a:rPr lang="en-GB" sz="1900" dirty="0">
                 <a:solidFill>
                   <a:srgbClr val="000000"/>
                 </a:solidFill>
                 <a:latin typeface="Cascadia Mono" panose="020B0609020000020004" pitchFamily="49" charset="0"/>
               </a:rPr>
-              <a:t> channel = 0; channel &lt; </a:t>
-            </a:r>
-            <a:r>
-              <a:rPr lang="en-GB" sz="2400" dirty="0" err="1">
+              <a:t> sample = 0; sample &lt; </a:t>
+            </a:r>
+            <a:r>
+              <a:rPr lang="en-GB" sz="1900" dirty="0" err="1">
+                <a:solidFill>
+                  <a:srgbClr val="808080"/>
+                </a:solidFill>
+                <a:latin typeface="Cascadia Mono" panose="020B0609020000020004" pitchFamily="49" charset="0"/>
+              </a:rPr>
+              <a:t>buffer</a:t>
+            </a:r>
+            <a:r>
+              <a:rPr lang="en-GB" sz="1900" dirty="0" err="1">
                 <a:solidFill>
                   <a:srgbClr val="000000"/>
                 </a:solidFill>
                 <a:latin typeface="Cascadia Mono" panose="020B0609020000020004" pitchFamily="49" charset="0"/>
               </a:rPr>
-              <a:t>getTotalNumOutputChannels</a:t>
-            </a:r>
-            <a:r>
-              <a:rPr lang="en-GB" sz="2400" dirty="0">
+              <a:t>.getNumSamples</a:t>
+            </a:r>
+            <a:r>
+              <a:rPr lang="en-GB" sz="1900" dirty="0">
                 <a:solidFill>
                   <a:srgbClr val="000000"/>
                 </a:solidFill>
                 <a:latin typeface="Cascadia Mono" panose="020B0609020000020004" pitchFamily="49" charset="0"/>
               </a:rPr>
-              <a:t>(); ++channel)</a:t>
+              <a:t>(); sample++) {</a:t>
             </a:r>
           </a:p>
           <a:p>
             <a:pPr marL="0" indent="0">
+              <a:lnSpc>
+                <a:spcPct val="100000"/>
+              </a:lnSpc>
+              <a:spcBef>
+                <a:spcPts val="600"/>
+              </a:spcBef>
               <a:buNone/>
             </a:pPr>
             <a:r>
-              <a:rPr lang="en-GB" sz="2400" dirty="0">
+              <a:rPr lang="en-GB" sz="1900" dirty="0">
                 <a:solidFill>
                   <a:srgbClr val="000000"/>
                 </a:solidFill>
                 <a:latin typeface="Cascadia Mono" panose="020B0609020000020004" pitchFamily="49" charset="0"/>
               </a:rPr>
-              <a:t>    {</a:t>
+              <a:t>      </a:t>
+            </a:r>
+            <a:r>
+              <a:rPr lang="en-GB" sz="1900" dirty="0" err="1">
+                <a:solidFill>
+                  <a:srgbClr val="000000"/>
+                </a:solidFill>
+                <a:latin typeface="Cascadia Mono" panose="020B0609020000020004" pitchFamily="49" charset="0"/>
+              </a:rPr>
+              <a:t>channelData</a:t>
+            </a:r>
+            <a:r>
+              <a:rPr lang="en-GB" sz="1900" dirty="0">
+                <a:solidFill>
+                  <a:srgbClr val="000000"/>
+                </a:solidFill>
+                <a:latin typeface="Cascadia Mono" panose="020B0609020000020004" pitchFamily="49" charset="0"/>
+              </a:rPr>
+              <a:t>[sample] = 2.0 * (</a:t>
+            </a:r>
+            <a:r>
+              <a:rPr lang="en-GB" sz="1900" dirty="0">
+                <a:solidFill>
+                  <a:srgbClr val="0000FF"/>
+                </a:solidFill>
+                <a:latin typeface="Cascadia Mono" panose="020B0609020000020004" pitchFamily="49" charset="0"/>
+              </a:rPr>
+              <a:t>double</a:t>
+            </a:r>
+            <a:r>
+              <a:rPr lang="en-GB" sz="1900" dirty="0">
+                <a:solidFill>
+                  <a:srgbClr val="000000"/>
+                </a:solidFill>
+                <a:latin typeface="Cascadia Mono" panose="020B0609020000020004" pitchFamily="49" charset="0"/>
+              </a:rPr>
+              <a:t>)rand() / (</a:t>
+            </a:r>
+            <a:r>
+              <a:rPr lang="en-GB" sz="1900" dirty="0">
+                <a:solidFill>
+                  <a:srgbClr val="6F008A"/>
+                </a:solidFill>
+                <a:latin typeface="Cascadia Mono" panose="020B0609020000020004" pitchFamily="49" charset="0"/>
+              </a:rPr>
+              <a:t>RAND_MAX</a:t>
+            </a:r>
+            <a:r>
+              <a:rPr lang="en-GB" sz="1900" dirty="0">
+                <a:solidFill>
+                  <a:srgbClr val="000000"/>
+                </a:solidFill>
+                <a:latin typeface="Cascadia Mono" panose="020B0609020000020004" pitchFamily="49" charset="0"/>
+              </a:rPr>
+              <a:t>) - 1.0;</a:t>
             </a:r>
           </a:p>
           <a:p>
             <a:pPr marL="0" indent="0">
+              <a:lnSpc>
+                <a:spcPct val="100000"/>
+              </a:lnSpc>
+              <a:spcBef>
+                <a:spcPts val="600"/>
+              </a:spcBef>
               <a:buNone/>
             </a:pPr>
             <a:r>
-              <a:rPr lang="it-IT" sz="2400" dirty="0">
+              <a:rPr lang="en-GB" sz="1900" dirty="0">
                 <a:solidFill>
                   <a:srgbClr val="000000"/>
                 </a:solidFill>
                 <a:latin typeface="Cascadia Mono" panose="020B0609020000020004" pitchFamily="49" charset="0"/>
               </a:rPr>
-              <a:t>      </a:t>
-            </a:r>
-            <a:r>
-              <a:rPr lang="it-IT" sz="2400" dirty="0">
+              <a:t>    }</a:t>
+            </a:r>
+          </a:p>
+          <a:p>
+            <a:pPr marL="0" indent="0">
+              <a:lnSpc>
+                <a:spcPct val="100000"/>
+              </a:lnSpc>
+              <a:spcBef>
+                <a:spcPts val="600"/>
+              </a:spcBef>
+              <a:buNone/>
+            </a:pPr>
+            <a:r>
+              <a:rPr lang="en-GB" sz="1900" dirty="0">
+                <a:solidFill>
+                  <a:srgbClr val="000000"/>
+                </a:solidFill>
+                <a:latin typeface="Cascadia Mono" panose="020B0609020000020004" pitchFamily="49" charset="0"/>
+              </a:rPr>
+              <a:t>  }</a:t>
+            </a:r>
+          </a:p>
+          <a:p>
+            <a:pPr marL="0" indent="0">
+              <a:lnSpc>
+                <a:spcPct val="100000"/>
+              </a:lnSpc>
+              <a:spcBef>
+                <a:spcPts val="600"/>
+              </a:spcBef>
+              <a:buNone/>
+            </a:pPr>
+            <a:r>
+              <a:rPr lang="en-GB" sz="1900" dirty="0">
+                <a:solidFill>
+                  <a:srgbClr val="000000"/>
+                </a:solidFill>
+                <a:latin typeface="Cascadia Mono" panose="020B0609020000020004" pitchFamily="49" charset="0"/>
+              </a:rPr>
+              <a:t>}</a:t>
+            </a:r>
+          </a:p>
+          <a:p>
+            <a:pPr marL="228600" marR="0" lvl="0" indent="-228600" algn="l" defTabSz="914400" rtl="0" eaLnBrk="1" fontAlgn="auto" latinLnBrk="0" hangingPunct="1">
+              <a:lnSpc>
+                <a:spcPct val="100000"/>
+              </a:lnSpc>
+              <a:spcBef>
+                <a:spcPts val="600"/>
+              </a:spcBef>
+              <a:spcAft>
+                <a:spcPts val="0"/>
+              </a:spcAft>
+              <a:buClrTx/>
+              <a:buSzTx/>
+              <a:buFont typeface="Arial" panose="020B0604020202020204" pitchFamily="34" charset="0"/>
+              <a:buChar char="•"/>
+              <a:tabLst/>
+              <a:defRPr/>
+            </a:pPr>
+            <a:r>
+              <a:rPr kumimoji="0" lang="en-GB" sz="1900" b="0" i="0" u="none" strike="noStrike" kern="1200" cap="none" spc="0" normalizeH="0" baseline="0" noProof="0" dirty="0">
+                <a:ln>
+                  <a:noFill/>
+                </a:ln>
+                <a:solidFill>
+                  <a:srgbClr val="4A4A4A"/>
+                </a:solidFill>
+                <a:effectLst/>
+                <a:uLnTx/>
+                <a:uFillTx/>
+                <a:latin typeface="Calibri" panose="020F0502020204030204"/>
+                <a:ea typeface="Times New Roman" panose="02020603050405020304" pitchFamily="18" charset="0"/>
+                <a:cs typeface="+mn-cs"/>
+              </a:rPr>
+              <a:t>Audio samples represented as numbers between -1 and +1</a:t>
+            </a:r>
+          </a:p>
+          <a:p>
+            <a:pPr marL="228600" marR="0" lvl="0" indent="-228600" algn="l" defTabSz="914400" rtl="0" eaLnBrk="1" fontAlgn="auto" latinLnBrk="0" hangingPunct="1">
+              <a:lnSpc>
+                <a:spcPct val="100000"/>
+              </a:lnSpc>
+              <a:spcBef>
+                <a:spcPts val="600"/>
+              </a:spcBef>
+              <a:spcAft>
+                <a:spcPts val="0"/>
+              </a:spcAft>
+              <a:buClrTx/>
+              <a:buSzTx/>
+              <a:buFont typeface="Arial" panose="020B0604020202020204" pitchFamily="34" charset="0"/>
+              <a:buChar char="•"/>
+              <a:tabLst/>
+              <a:defRPr/>
+            </a:pPr>
+            <a:r>
+              <a:rPr lang="en-GB" sz="1900" dirty="0">
+                <a:solidFill>
+                  <a:srgbClr val="000000"/>
+                </a:solidFill>
+                <a:latin typeface="Cascadia Mono" panose="020B0609020000020004" pitchFamily="49" charset="0"/>
+              </a:rPr>
+              <a:t>rand() </a:t>
+            </a:r>
+            <a:r>
+              <a:rPr lang="en-GB" sz="1900" dirty="0">
+                <a:solidFill>
+                  <a:srgbClr val="4A4A4A"/>
+                </a:solidFill>
+                <a:latin typeface="Calibri" panose="020F0502020204030204"/>
+                <a:ea typeface="Times New Roman" panose="02020603050405020304" pitchFamily="18" charset="0"/>
+              </a:rPr>
+              <a:t>returns pseudorandom integer between 0 and </a:t>
+            </a:r>
+            <a:r>
+              <a:rPr lang="en-GB" sz="1900" dirty="0">
+                <a:solidFill>
+                  <a:srgbClr val="6F008A"/>
+                </a:solidFill>
+                <a:latin typeface="Cascadia Mono" panose="020B0609020000020004" pitchFamily="49" charset="0"/>
+              </a:rPr>
+              <a:t>RAND_MAX</a:t>
+            </a:r>
+          </a:p>
+          <a:p>
+            <a:pPr marR="0" lvl="0" algn="l" defTabSz="914400" rtl="0" eaLnBrk="1" fontAlgn="auto" latinLnBrk="0" hangingPunct="1">
+              <a:lnSpc>
+                <a:spcPct val="100000"/>
+              </a:lnSpc>
+              <a:spcBef>
+                <a:spcPts val="600"/>
+              </a:spcBef>
+              <a:spcAft>
+                <a:spcPts val="0"/>
+              </a:spcAft>
+              <a:buClrTx/>
+              <a:buSzTx/>
+              <a:buFont typeface="Wingdings" panose="05000000000000000000" pitchFamily="2" charset="2"/>
+              <a:buChar char="à"/>
+              <a:tabLst/>
+              <a:defRPr/>
+            </a:pPr>
+            <a:r>
+              <a:rPr lang="en-GB" sz="1900" dirty="0">
+                <a:solidFill>
+                  <a:srgbClr val="000000"/>
+                </a:solidFill>
+                <a:latin typeface="Cascadia Mono" panose="020B0609020000020004" pitchFamily="49" charset="0"/>
+              </a:rPr>
+              <a:t> (</a:t>
+            </a:r>
+            <a:r>
+              <a:rPr lang="en-GB" sz="1900" dirty="0">
                 <a:solidFill>
                   <a:srgbClr val="0000FF"/>
                 </a:solidFill>
                 <a:latin typeface="Cascadia Mono" panose="020B0609020000020004" pitchFamily="49" charset="0"/>
               </a:rPr>
-              <a:t>auto</a:t>
-            </a:r>
-            <a:r>
-              <a:rPr lang="it-IT" sz="2400" dirty="0">
+              <a:t>double</a:t>
+            </a:r>
+            <a:r>
+              <a:rPr lang="en-GB" sz="1900" dirty="0">
                 <a:solidFill>
                   <a:srgbClr val="000000"/>
                 </a:solidFill>
                 <a:latin typeface="Cascadia Mono" panose="020B0609020000020004" pitchFamily="49" charset="0"/>
               </a:rPr>
-              <a:t>* </a:t>
-            </a:r>
-            <a:r>
-              <a:rPr lang="it-IT" sz="2400" dirty="0" err="1">
+              <a:t>)rand() / (</a:t>
+            </a:r>
+            <a:r>
+              <a:rPr lang="en-GB" sz="1900" dirty="0">
+                <a:solidFill>
+                  <a:srgbClr val="6F008A"/>
+                </a:solidFill>
+                <a:latin typeface="Cascadia Mono" panose="020B0609020000020004" pitchFamily="49" charset="0"/>
+              </a:rPr>
+              <a:t>RAND_MAX</a:t>
+            </a:r>
+            <a:r>
+              <a:rPr lang="en-GB" sz="1900" dirty="0">
                 <a:solidFill>
                   <a:srgbClr val="000000"/>
                 </a:solidFill>
                 <a:latin typeface="Cascadia Mono" panose="020B0609020000020004" pitchFamily="49" charset="0"/>
               </a:rPr>
-              <a:t>channelData</a:t>
-            </a:r>
-            <a:r>
-              <a:rPr lang="it-IT" sz="2400" dirty="0">
+              <a:t>) </a:t>
+            </a:r>
+            <a:r>
+              <a:rPr kumimoji="0" lang="en-GB" sz="1900" b="0" i="0" u="none" strike="noStrike" kern="1200" cap="none" spc="0" normalizeH="0" baseline="0" noProof="0" dirty="0">
+                <a:ln>
+                  <a:noFill/>
+                </a:ln>
+                <a:solidFill>
+                  <a:srgbClr val="4A4A4A"/>
+                </a:solidFill>
+                <a:effectLst/>
+                <a:uLnTx/>
+                <a:uFillTx/>
+                <a:latin typeface="Calibri" panose="020F0502020204030204"/>
+                <a:ea typeface="Times New Roman" panose="02020603050405020304" pitchFamily="18" charset="0"/>
+                <a:cs typeface="+mn-cs"/>
+              </a:rPr>
+              <a:t>is a double precision, real number between 0 and 1</a:t>
+            </a:r>
+            <a:r>
+              <a:rPr lang="en-GB" sz="1900" dirty="0">
                 <a:solidFill>
                   <a:srgbClr val="000000"/>
                 </a:solidFill>
                 <a:latin typeface="Cascadia Mono" panose="020B0609020000020004" pitchFamily="49" charset="0"/>
               </a:rPr>
-              <a:t> = </a:t>
-            </a:r>
-            <a:r>
-              <a:rPr lang="it-IT" sz="2400" dirty="0" err="1">
-                <a:solidFill>
-                  <a:srgbClr val="808080"/>
-                </a:solidFill>
-                <a:latin typeface="Cascadia Mono" panose="020B0609020000020004" pitchFamily="49" charset="0"/>
-              </a:rPr>
-              <a:t>buffer</a:t>
-            </a:r>
-            <a:r>
-              <a:rPr lang="it-IT" sz="2400" dirty="0" err="1">
+              <a:t> </a:t>
+            </a:r>
+          </a:p>
+          <a:p>
+            <a:pPr marR="0" lvl="0" algn="l" defTabSz="914400" rtl="0" eaLnBrk="1" fontAlgn="auto" latinLnBrk="0" hangingPunct="1">
+              <a:lnSpc>
+                <a:spcPct val="100000"/>
+              </a:lnSpc>
+              <a:spcBef>
+                <a:spcPts val="600"/>
+              </a:spcBef>
+              <a:spcAft>
+                <a:spcPts val="0"/>
+              </a:spcAft>
+              <a:buClrTx/>
+              <a:buSzTx/>
+              <a:buFont typeface="Wingdings" panose="05000000000000000000" pitchFamily="2" charset="2"/>
+              <a:buChar char="à"/>
+              <a:tabLst/>
+              <a:defRPr/>
+            </a:pPr>
+            <a:r>
+              <a:rPr kumimoji="0" lang="en-GB" sz="1900" b="0" i="0" u="none" strike="noStrike" kern="1200" cap="none" spc="0" normalizeH="0" baseline="0" noProof="0" dirty="0">
+                <a:ln>
+                  <a:noFill/>
+                </a:ln>
                 <a:solidFill>
                   <a:srgbClr val="000000"/>
                 </a:solidFill>
-                <a:latin typeface="Cascadia Mono" panose="020B0609020000020004" pitchFamily="49" charset="0"/>
-              </a:rPr>
-              <a:t>.getWritePointer</a:t>
-            </a:r>
-            <a:r>
-              <a:rPr lang="it-IT" sz="2400" dirty="0">
+                <a:effectLst/>
+                <a:uLnTx/>
+                <a:uFillTx/>
+                <a:latin typeface="Cascadia Mono" panose="020B0609020000020004" pitchFamily="49" charset="0"/>
+                <a:ea typeface="Times New Roman" panose="02020603050405020304" pitchFamily="18" charset="0"/>
+                <a:cs typeface="+mn-cs"/>
+              </a:rPr>
+              <a:t> </a:t>
+            </a:r>
+            <a:r>
+              <a:rPr lang="en-GB" sz="1900" dirty="0">
                 <a:solidFill>
                   <a:srgbClr val="000000"/>
                 </a:solidFill>
                 <a:latin typeface="Cascadia Mono" panose="020B0609020000020004" pitchFamily="49" charset="0"/>
               </a:rPr>
-              <a:t>(</a:t>
-            </a:r>
-            <a:r>
-              <a:rPr lang="it-IT" sz="2400" dirty="0" err="1">
+              <a:t>2.0 * (</a:t>
+            </a:r>
+            <a:r>
+              <a:rPr lang="en-GB" sz="1900" dirty="0">
+                <a:solidFill>
+                  <a:srgbClr val="0000FF"/>
+                </a:solidFill>
+                <a:latin typeface="Cascadia Mono" panose="020B0609020000020004" pitchFamily="49" charset="0"/>
+              </a:rPr>
+              <a:t>double</a:t>
+            </a:r>
+            <a:r>
+              <a:rPr lang="en-GB" sz="1900" dirty="0">
                 <a:solidFill>
                   <a:srgbClr val="000000"/>
                 </a:solidFill>
                 <a:latin typeface="Cascadia Mono" panose="020B0609020000020004" pitchFamily="49" charset="0"/>
               </a:rPr>
-              <a:t>channel</a:t>
-            </a:r>
-            <a:r>
-              <a:rPr lang="it-IT" sz="2400" dirty="0">
+              <a:t>)rand() / (</a:t>
+            </a:r>
+            <a:r>
+              <a:rPr lang="en-GB" sz="1900" dirty="0">
+                <a:solidFill>
+                  <a:srgbClr val="6F008A"/>
+                </a:solidFill>
+                <a:latin typeface="Cascadia Mono" panose="020B0609020000020004" pitchFamily="49" charset="0"/>
+              </a:rPr>
+              <a:t>RAND_MAX</a:t>
+            </a:r>
+            <a:r>
+              <a:rPr lang="en-GB" sz="1900" dirty="0">
                 <a:solidFill>
                   <a:srgbClr val="000000"/>
                 </a:solidFill>
                 <a:latin typeface="Cascadia Mono" panose="020B0609020000020004" pitchFamily="49" charset="0"/>
               </a:rPr>
-              <a:t>);</a:t>
-            </a:r>
-          </a:p>
-          <a:p>
-            <a:pPr marL="0" indent="0">
-              <a:buNone/>
-            </a:pPr>
-            <a:r>
-              <a:rPr lang="en-GB" sz="2400" dirty="0">
+              <a:t>) - 1.0 </a:t>
+            </a:r>
+            <a:r>
+              <a:rPr kumimoji="0" lang="en-GB" sz="1900" b="0" i="0" u="none" strike="noStrike" kern="1200" cap="none" spc="0" normalizeH="0" baseline="0" noProof="0" dirty="0">
+                <a:ln>
+                  <a:noFill/>
+                </a:ln>
+                <a:solidFill>
+                  <a:srgbClr val="4A4A4A"/>
+                </a:solidFill>
+                <a:effectLst/>
+                <a:uLnTx/>
+                <a:uFillTx/>
+                <a:latin typeface="Calibri" panose="020F0502020204030204"/>
+                <a:ea typeface="Times New Roman" panose="02020603050405020304" pitchFamily="18" charset="0"/>
+                <a:cs typeface="+mn-cs"/>
+              </a:rPr>
+              <a:t>is double precision, real number between -1 and +1</a:t>
+            </a:r>
+            <a:r>
+              <a:rPr lang="en-GB" sz="1900" dirty="0">
                 <a:solidFill>
                   <a:srgbClr val="000000"/>
                 </a:solidFill>
                 <a:latin typeface="Cascadia Mono" panose="020B0609020000020004" pitchFamily="49" charset="0"/>
               </a:rPr>
-              <a:t>      </a:t>
-            </a:r>
-            <a:r>
-              <a:rPr lang="en-GB" sz="2400" dirty="0">
-                <a:solidFill>
-                  <a:srgbClr val="0000FF"/>
-                </a:solidFill>
-                <a:latin typeface="Cascadia Mono" panose="020B0609020000020004" pitchFamily="49" charset="0"/>
-              </a:rPr>
-              <a:t>for</a:t>
-            </a:r>
-            <a:r>
-              <a:rPr lang="en-GB" sz="2400" dirty="0">
-                <a:solidFill>
-                  <a:srgbClr val="000000"/>
-                </a:solidFill>
-                <a:latin typeface="Cascadia Mono" panose="020B0609020000020004" pitchFamily="49" charset="0"/>
-              </a:rPr>
-              <a:t> (</a:t>
-            </a:r>
-            <a:r>
-              <a:rPr lang="en-GB" sz="2400" dirty="0">
-                <a:solidFill>
-                  <a:srgbClr val="0000FF"/>
-                </a:solidFill>
-                <a:latin typeface="Cascadia Mono" panose="020B0609020000020004" pitchFamily="49" charset="0"/>
-              </a:rPr>
-              <a:t>int</a:t>
-            </a:r>
-            <a:r>
-              <a:rPr lang="en-GB" sz="2400" dirty="0">
-                <a:solidFill>
-                  <a:srgbClr val="000000"/>
-                </a:solidFill>
-                <a:latin typeface="Cascadia Mono" panose="020B0609020000020004" pitchFamily="49" charset="0"/>
-              </a:rPr>
-              <a:t> sample = 0; sample &lt; </a:t>
-            </a:r>
-            <a:r>
-              <a:rPr lang="en-GB" sz="2400" dirty="0" err="1">
-                <a:solidFill>
-                  <a:srgbClr val="808080"/>
-                </a:solidFill>
-                <a:latin typeface="Cascadia Mono" panose="020B0609020000020004" pitchFamily="49" charset="0"/>
-              </a:rPr>
-              <a:t>buffer</a:t>
-            </a:r>
-            <a:r>
-              <a:rPr lang="en-GB" sz="2400" dirty="0" err="1">
-                <a:solidFill>
-                  <a:srgbClr val="000000"/>
-                </a:solidFill>
-                <a:latin typeface="Cascadia Mono" panose="020B0609020000020004" pitchFamily="49" charset="0"/>
-              </a:rPr>
-              <a:t>.getNumSamples</a:t>
-            </a:r>
-            <a:r>
-              <a:rPr lang="en-GB" sz="2400" dirty="0">
-                <a:solidFill>
-                  <a:srgbClr val="000000"/>
-                </a:solidFill>
-                <a:latin typeface="Cascadia Mono" panose="020B0609020000020004" pitchFamily="49" charset="0"/>
-              </a:rPr>
-              <a:t>(); sample++)</a:t>
-            </a:r>
-          </a:p>
-          <a:p>
-            <a:pPr marL="0" indent="0">
-              <a:buNone/>
-            </a:pPr>
-            <a:r>
-              <a:rPr lang="en-GB" sz="2400" dirty="0">
-                <a:solidFill>
-                  <a:srgbClr val="000000"/>
-                </a:solidFill>
-                <a:latin typeface="Cascadia Mono" panose="020B0609020000020004" pitchFamily="49" charset="0"/>
-              </a:rPr>
-              <a:t>      {</a:t>
-            </a:r>
-          </a:p>
-          <a:p>
-            <a:pPr marL="0" indent="0">
-              <a:buNone/>
-            </a:pPr>
-            <a:r>
-              <a:rPr lang="en-GB" sz="2400" dirty="0">
-                <a:solidFill>
-                  <a:srgbClr val="000000"/>
-                </a:solidFill>
-                <a:latin typeface="Cascadia Mono" panose="020B0609020000020004" pitchFamily="49" charset="0"/>
-              </a:rPr>
-              <a:t>        </a:t>
-            </a:r>
-            <a:r>
-              <a:rPr lang="en-GB" sz="2400" dirty="0" err="1">
-                <a:solidFill>
-                  <a:srgbClr val="000000"/>
-                </a:solidFill>
-                <a:latin typeface="Cascadia Mono" panose="020B0609020000020004" pitchFamily="49" charset="0"/>
-              </a:rPr>
-              <a:t>channelData</a:t>
-            </a:r>
-            <a:r>
-              <a:rPr lang="en-GB" sz="2400" dirty="0">
-                <a:solidFill>
-                  <a:srgbClr val="000000"/>
-                </a:solidFill>
-                <a:latin typeface="Cascadia Mono" panose="020B0609020000020004" pitchFamily="49" charset="0"/>
-              </a:rPr>
-              <a:t>[sample] = 2.0 * ((</a:t>
-            </a:r>
-            <a:r>
-              <a:rPr lang="en-GB" sz="2400" dirty="0">
-                <a:solidFill>
-                  <a:srgbClr val="0000FF"/>
-                </a:solidFill>
-                <a:latin typeface="Cascadia Mono" panose="020B0609020000020004" pitchFamily="49" charset="0"/>
-              </a:rPr>
-              <a:t>double</a:t>
-            </a:r>
-            <a:r>
-              <a:rPr lang="en-GB" sz="2400" dirty="0">
-                <a:solidFill>
-                  <a:srgbClr val="000000"/>
-                </a:solidFill>
-                <a:latin typeface="Cascadia Mono" panose="020B0609020000020004" pitchFamily="49" charset="0"/>
-              </a:rPr>
-              <a:t>)rand() / (</a:t>
-            </a:r>
-            <a:r>
-              <a:rPr lang="en-GB" sz="2400" dirty="0">
-                <a:solidFill>
-                  <a:srgbClr val="6F008A"/>
-                </a:solidFill>
-                <a:latin typeface="Cascadia Mono" panose="020B0609020000020004" pitchFamily="49" charset="0"/>
-              </a:rPr>
-              <a:t>RAND_MAX</a:t>
-            </a:r>
-            <a:r>
-              <a:rPr lang="en-GB" sz="2400" dirty="0">
-                <a:solidFill>
-                  <a:srgbClr val="000000"/>
-                </a:solidFill>
-                <a:latin typeface="Cascadia Mono" panose="020B0609020000020004" pitchFamily="49" charset="0"/>
-              </a:rPr>
-              <a:t>)) - 1.0;</a:t>
-            </a:r>
-          </a:p>
-          <a:p>
-            <a:pPr marL="0" indent="0">
-              <a:buNone/>
-            </a:pPr>
-            <a:r>
-              <a:rPr lang="en-GB" sz="2400" dirty="0">
-                <a:solidFill>
-                  <a:srgbClr val="000000"/>
-                </a:solidFill>
-                <a:latin typeface="Cascadia Mono" panose="020B0609020000020004" pitchFamily="49" charset="0"/>
-              </a:rPr>
-              <a:t>      }</a:t>
-            </a:r>
-          </a:p>
-          <a:p>
-            <a:pPr marL="0" indent="0">
-              <a:buNone/>
-            </a:pPr>
-            <a:r>
-              <a:rPr lang="en-GB" sz="2400" dirty="0">
-                <a:solidFill>
-                  <a:srgbClr val="000000"/>
-                </a:solidFill>
-                <a:latin typeface="Cascadia Mono" panose="020B0609020000020004" pitchFamily="49" charset="0"/>
-              </a:rPr>
-              <a:t>    }</a:t>
-            </a:r>
-          </a:p>
-          <a:p>
-            <a:pPr marL="0" indent="0">
-              <a:buNone/>
-            </a:pPr>
-            <a:r>
-              <a:rPr lang="en-GB" sz="2400" dirty="0">
-                <a:solidFill>
-                  <a:srgbClr val="000000"/>
-                </a:solidFill>
-                <a:latin typeface="Cascadia Mono" panose="020B0609020000020004" pitchFamily="49" charset="0"/>
-              </a:rPr>
-              <a:t>}</a:t>
-            </a:r>
-            <a:endParaRPr kumimoji="0" lang="en-US" altLang="en-US" sz="2400" b="0" i="0" u="none" strike="noStrike" cap="none" normalizeH="0" baseline="0" dirty="0">
+              <a:t> </a:t>
+            </a:r>
+            <a:endParaRPr kumimoji="0" lang="en-GB" sz="1900" b="0" i="0" u="none" strike="noStrike" kern="1200" cap="none" spc="0" normalizeH="0" baseline="0" noProof="0" dirty="0">
               <a:ln>
                 <a:noFill/>
               </a:ln>
               <a:solidFill>
-                <a:schemeClr val="tx1"/>
+                <a:srgbClr val="4A4A4A"/>
               </a:solidFill>
               <a:effectLst/>
-              <a:latin typeface="Arial" panose="020B0604020202020204" pitchFamily="34" charset="0"/>
+              <a:uLnTx/>
+              <a:uFillTx/>
+              <a:latin typeface="Calibri" panose="020F0502020204030204"/>
+              <a:ea typeface="Times New Roman" panose="02020603050405020304" pitchFamily="18" charset="0"/>
+              <a:cs typeface="+mn-cs"/>
             </a:endParaRPr>
           </a:p>
         </p:txBody>
@@ -4304,7 +4626,7 @@
         </p:nvSpPr>
         <p:spPr>
           <a:xfrm>
-            <a:off x="388620" y="1501140"/>
+            <a:off x="388621" y="1253490"/>
             <a:ext cx="11803379" cy="4701540"/>
           </a:xfrm>
         </p:spPr>
@@ -4315,24 +4637,14 @@
           <a:lstStyle/>
           <a:p>
             <a:r>
-              <a:rPr lang="en-GB">
+              <a:rPr lang="en-GB" dirty="0">
                 <a:solidFill>
                   <a:srgbClr val="4A4A4A"/>
                 </a:solidFill>
                 <a:effectLst/>
                 <a:ea typeface="Times New Roman" panose="02020603050405020304" pitchFamily="18" charset="0"/>
               </a:rPr>
-              <a:t>Should have </a:t>
-            </a:r>
-            <a:r>
-              <a:rPr lang="en-GB" dirty="0">
-                <a:solidFill>
-                  <a:srgbClr val="4A4A4A"/>
-                </a:solidFill>
-                <a:effectLst/>
-                <a:ea typeface="Times New Roman" panose="02020603050405020304" pitchFamily="18" charset="0"/>
-              </a:rPr>
-              <a:t>a simple stand-alone plug-in that just produces noise</a:t>
+              <a:t>Should have a simple stand-alone plug-in that just produces noise</a:t>
             </a:r>
             <a:endParaRPr lang="en-GB" dirty="0">
               <a:effectLst/>
@@ -6735,8 +7047,8 @@
         </p:nvSpPr>
         <p:spPr>
           <a:xfrm>
-            <a:off x="0" y="1501140"/>
-            <a:ext cx="12191999" cy="5253164"/>
+            <a:off x="209938" y="1193230"/>
+            <a:ext cx="11705253" cy="5253164"/>
           </a:xfrm>
         </p:spPr>
         <p:txBody>
@@ -6816,23 +7128,8 @@
                 </a:solidFill>
                 <a:latin typeface="Cascadia Mono" panose="020B0609020000020004" pitchFamily="49" charset="0"/>
               </a:rPr>
-              <a:t>(); ++channel) </a:t>
-            </a:r>
-            <a:r>
-              <a:rPr lang="en-GB" sz="2100" dirty="0">
-                <a:solidFill>
-                  <a:srgbClr val="008000"/>
-                </a:solidFill>
-                <a:latin typeface="Cascadia Mono" panose="020B0609020000020004" pitchFamily="49" charset="0"/>
-              </a:rPr>
-              <a:t>// 1</a:t>
-            </a:r>
-            <a:endParaRPr lang="en-GB" sz="2100" dirty="0">
-              <a:solidFill>
-                <a:srgbClr val="000000"/>
-              </a:solidFill>
-              <a:latin typeface="Cascadia Mono" panose="020B0609020000020004" pitchFamily="49" charset="0"/>
-            </a:endParaRPr>
+              <a:t>(); ++channel)</a:t>
+            </a:r>
           </a:p>
           <a:p>
             <a:pPr marL="0" indent="0">
